--- a/Slides/12_Lecture.pptx
+++ b/Slides/12_Lecture.pptx
@@ -212,7 +212,7 @@
           <a:p>
             <a:fld id="{16136E8F-1965-6C44-A7B5-03BB9B497561}" type="datetimeFigureOut">
               <a:rPr lang="en-GB" smtClean="0"/>
-              <a:t>02/10/2017</a:t>
+              <a:t>07/11/2017</a:t>
             </a:fld>
             <a:endParaRPr lang="en-GB"/>
           </a:p>
@@ -611,7 +611,7 @@
           <a:p>
             <a:fld id="{C380D008-60B2-0246-B113-8E855462598C}" type="datetimeFigureOut">
               <a:rPr lang="en-GB" smtClean="0"/>
-              <a:t>02/10/2017</a:t>
+              <a:t>07/11/2017</a:t>
             </a:fld>
             <a:endParaRPr lang="en-GB"/>
           </a:p>
@@ -776,7 +776,7 @@
           <a:p>
             <a:fld id="{C380D008-60B2-0246-B113-8E855462598C}" type="datetimeFigureOut">
               <a:rPr lang="en-GB" smtClean="0"/>
-              <a:t>02/10/2017</a:t>
+              <a:t>07/11/2017</a:t>
             </a:fld>
             <a:endParaRPr lang="en-GB"/>
           </a:p>
@@ -951,7 +951,7 @@
           <a:p>
             <a:fld id="{C380D008-60B2-0246-B113-8E855462598C}" type="datetimeFigureOut">
               <a:rPr lang="en-GB" smtClean="0"/>
-              <a:t>02/10/2017</a:t>
+              <a:t>07/11/2017</a:t>
             </a:fld>
             <a:endParaRPr lang="en-GB"/>
           </a:p>
@@ -1116,7 +1116,7 @@
           <a:p>
             <a:fld id="{C380D008-60B2-0246-B113-8E855462598C}" type="datetimeFigureOut">
               <a:rPr lang="en-GB" smtClean="0"/>
-              <a:t>02/10/2017</a:t>
+              <a:t>07/11/2017</a:t>
             </a:fld>
             <a:endParaRPr lang="en-GB"/>
           </a:p>
@@ -1355,7 +1355,7 @@
           <a:p>
             <a:fld id="{C380D008-60B2-0246-B113-8E855462598C}" type="datetimeFigureOut">
               <a:rPr lang="en-GB" smtClean="0"/>
-              <a:t>02/10/2017</a:t>
+              <a:t>07/11/2017</a:t>
             </a:fld>
             <a:endParaRPr lang="en-GB"/>
           </a:p>
@@ -1582,7 +1582,7 @@
           <a:p>
             <a:fld id="{C380D008-60B2-0246-B113-8E855462598C}" type="datetimeFigureOut">
               <a:rPr lang="en-GB" smtClean="0"/>
-              <a:t>02/10/2017</a:t>
+              <a:t>07/11/2017</a:t>
             </a:fld>
             <a:endParaRPr lang="en-GB"/>
           </a:p>
@@ -1944,7 +1944,7 @@
           <a:p>
             <a:fld id="{C380D008-60B2-0246-B113-8E855462598C}" type="datetimeFigureOut">
               <a:rPr lang="en-GB" smtClean="0"/>
-              <a:t>02/10/2017</a:t>
+              <a:t>07/11/2017</a:t>
             </a:fld>
             <a:endParaRPr lang="en-GB"/>
           </a:p>
@@ -2057,7 +2057,7 @@
           <a:p>
             <a:fld id="{C380D008-60B2-0246-B113-8E855462598C}" type="datetimeFigureOut">
               <a:rPr lang="en-GB" smtClean="0"/>
-              <a:t>02/10/2017</a:t>
+              <a:t>07/11/2017</a:t>
             </a:fld>
             <a:endParaRPr lang="en-GB"/>
           </a:p>
@@ -2147,7 +2147,7 @@
           <a:p>
             <a:fld id="{C380D008-60B2-0246-B113-8E855462598C}" type="datetimeFigureOut">
               <a:rPr lang="en-GB" smtClean="0"/>
-              <a:t>02/10/2017</a:t>
+              <a:t>07/11/2017</a:t>
             </a:fld>
             <a:endParaRPr lang="en-GB"/>
           </a:p>
@@ -2419,7 +2419,7 @@
           <a:p>
             <a:fld id="{C380D008-60B2-0246-B113-8E855462598C}" type="datetimeFigureOut">
               <a:rPr lang="en-GB" smtClean="0"/>
-              <a:t>02/10/2017</a:t>
+              <a:t>07/11/2017</a:t>
             </a:fld>
             <a:endParaRPr lang="en-GB"/>
           </a:p>
@@ -2671,7 +2671,7 @@
           <a:p>
             <a:fld id="{C380D008-60B2-0246-B113-8E855462598C}" type="datetimeFigureOut">
               <a:rPr lang="en-GB" smtClean="0"/>
-              <a:t>02/10/2017</a:t>
+              <a:t>07/11/2017</a:t>
             </a:fld>
             <a:endParaRPr lang="en-GB"/>
           </a:p>
@@ -2879,7 +2879,7 @@
           <a:p>
             <a:fld id="{C380D008-60B2-0246-B113-8E855462598C}" type="datetimeFigureOut">
               <a:rPr lang="en-GB" smtClean="0"/>
-              <a:t>02/10/2017</a:t>
+              <a:t>07/11/2017</a:t>
             </a:fld>
             <a:endParaRPr lang="en-GB"/>
           </a:p>
@@ -3531,7 +3531,7 @@
             </a:pPr>
             <a:r>
               <a:rPr lang="en-GB" dirty="0" smtClean="0"/>
-              <a:t>Alex D Singleton, Seth E </a:t>
+              <a:t>Alex D. Singleton, Seth E. </a:t>
             </a:r>
             <a:r>
               <a:rPr lang="en-GB" dirty="0" err="1" smtClean="0"/>
@@ -3539,7 +3539,7 @@
             </a:r>
             <a:r>
               <a:rPr lang="en-GB" dirty="0" smtClean="0"/>
-              <a:t>, David C </a:t>
+              <a:t>, David C. </a:t>
             </a:r>
             <a:r>
               <a:rPr lang="en-GB" dirty="0" err="1" smtClean="0"/>
@@ -3547,7 +3547,15 @@
             </a:r>
             <a:r>
               <a:rPr lang="en-GB" dirty="0" smtClean="0"/>
-              <a:t> (2017) Urban Analytics. London: Sage.</a:t>
+              <a:t> (2017) </a:t>
+            </a:r>
+            <a:r>
+              <a:rPr lang="en-GB" i="1" dirty="0" smtClean="0"/>
+              <a:t>Urban Analytics</a:t>
+            </a:r>
+            <a:r>
+              <a:rPr lang="en-GB" dirty="0" smtClean="0"/>
+              <a:t>. London: Sage.</a:t>
             </a:r>
             <a:endParaRPr lang="en-GB" dirty="0"/>
           </a:p>
@@ -3633,41 +3641,33 @@
             </a:r>
             <a:r>
               <a:rPr lang="en-US" dirty="0" smtClean="0"/>
-              <a:t>independent variables - </a:t>
-            </a:r>
-            <a:r>
-              <a:rPr lang="en-US" dirty="0" err="1" smtClean="0"/>
-              <a:t>eg</a:t>
+              <a:t>independent variables – e.g. </a:t>
+            </a:r>
+            <a:r>
+              <a:rPr lang="en-US" i="1" dirty="0"/>
+              <a:t>x</a:t>
+            </a:r>
+            <a:r>
+              <a:rPr lang="en-US" baseline="-25000" dirty="0"/>
+              <a:t>1</a:t>
+            </a:r>
+            <a:r>
+              <a:rPr lang="en-US" dirty="0"/>
+              <a:t> and </a:t>
+            </a:r>
+            <a:r>
+              <a:rPr lang="en-US" i="1" dirty="0" smtClean="0"/>
+              <a:t>x</a:t>
+            </a:r>
+            <a:r>
+              <a:rPr lang="en-US" baseline="-25000" dirty="0" smtClean="0"/>
+              <a:t>2</a:t>
             </a:r>
             <a:r>
               <a:rPr lang="en-US" dirty="0" smtClean="0"/>
               <a:t> </a:t>
             </a:r>
             <a:r>
-              <a:rPr lang="en-US" i="1" dirty="0"/>
-              <a:t>x</a:t>
-            </a:r>
-            <a:r>
-              <a:rPr lang="en-US" baseline="-25000" dirty="0"/>
-              <a:t>1</a:t>
-            </a:r>
-            <a:r>
-              <a:rPr lang="en-US" dirty="0"/>
-              <a:t> and </a:t>
-            </a:r>
-            <a:r>
-              <a:rPr lang="en-US" i="1" dirty="0" smtClean="0"/>
-              <a:t>x</a:t>
-            </a:r>
-            <a:r>
-              <a:rPr lang="en-US" baseline="-25000" dirty="0" smtClean="0"/>
-              <a:t>2</a:t>
-            </a:r>
-            <a:r>
-              <a:rPr lang="en-US" dirty="0" smtClean="0"/>
-              <a:t> </a:t>
-            </a:r>
-            <a:r>
               <a:rPr lang="en-US" dirty="0"/>
               <a:t>that we have reason to believe have meaningful relationships to the dependent variable, </a:t>
             </a:r>
@@ -3711,8 +3711,12 @@
           <a:p>
             <a:pPr lvl="1"/>
             <a:r>
+              <a:rPr lang="en-US" dirty="0"/>
+              <a:t>e</a:t>
+            </a:r>
+            <a:r>
               <a:rPr lang="en-US" dirty="0" smtClean="0"/>
-              <a:t>E.g. </a:t>
+              <a:t>.g. </a:t>
             </a:r>
             <a:r>
               <a:rPr lang="en-US" dirty="0"/>
@@ -3860,14 +3864,17 @@
           <a:p>
             <a:pPr lvl="1"/>
             <a:r>
+              <a:rPr lang="en-US" dirty="0"/>
+              <a:t>e</a:t>
+            </a:r>
+            <a:r>
               <a:rPr lang="en-US" dirty="0" smtClean="0"/>
-              <a:t>E.g. one </a:t>
+              <a:t>.g. one </a:t>
             </a:r>
             <a:r>
               <a:rPr lang="en-US" dirty="0"/>
               <a:t>might expect that more bike lines will correspond to more bike commuters (positive relationship), while more inclement days will correspond to fewer bike commuters (negative relationship). </a:t>
             </a:r>
-            <a:endParaRPr lang="en-US" dirty="0"/>
           </a:p>
           <a:p>
             <a:endParaRPr lang="en-GB" dirty="0"/>
@@ -4213,9 +4220,12 @@
           <a:p>
             <a:r>
               <a:rPr lang="en-US" dirty="0"/>
-              <a:t>OLS regression results for Census Tracts in Phoenix, Arizona. </a:t>
-            </a:r>
-            <a:endParaRPr lang="en-US" dirty="0" smtClean="0"/>
+              <a:t>OLS regression results for Census Tracts in Phoenix, </a:t>
+            </a:r>
+            <a:r>
+              <a:rPr lang="en-US" dirty="0" smtClean="0"/>
+              <a:t>Arizona</a:t>
+            </a:r>
           </a:p>
           <a:p>
             <a:r>
@@ -4426,15 +4436,15 @@
         </p:nvSpPr>
         <p:spPr>
           <a:xfrm>
-            <a:off x="4254285" y="5477076"/>
-            <a:ext cx="4572000" cy="1169551"/>
+            <a:off x="733245" y="5477076"/>
+            <a:ext cx="8093040" cy="738664"/>
           </a:xfrm>
           <a:prstGeom prst="rect">
             <a:avLst/>
           </a:prstGeom>
         </p:spPr>
         <p:txBody>
-          <a:bodyPr>
+          <a:bodyPr wrap="square">
             <a:spAutoFit/>
           </a:bodyPr>
           <a:lstStyle/>
@@ -4460,15 +4470,11 @@
             </a:r>
             <a:r>
               <a:rPr lang="en-GB" sz="1400" dirty="0"/>
-              <a:t>: National Historical Geographic Information System (http://</a:t>
-            </a:r>
-            <a:r>
-              <a:rPr lang="en-GB" sz="1400" dirty="0" err="1"/>
-              <a:t>www.nhgis.org</a:t>
+              <a:t>: National Historical Geographic Information System (http://www.nhgis.org</a:t>
             </a:r>
             <a:r>
               <a:rPr lang="en-GB" sz="1400" dirty="0" smtClean="0"/>
-              <a:t>).</a:t>
+              <a:t>)</a:t>
             </a:r>
             <a:endParaRPr lang="en-GB" sz="1400" dirty="0"/>
           </a:p>
@@ -4572,7 +4578,6 @@
               <a:rPr lang="en-US" dirty="0"/>
               <a:t>(indicated by the stars on the coefficients), meaning that the reported relationship holds in most cases. </a:t>
             </a:r>
-            <a:endParaRPr lang="en-US" dirty="0"/>
           </a:p>
           <a:p>
             <a:r>
@@ -4830,7 +4835,7 @@
           <a:p>
             <a:r>
               <a:rPr lang="en-US" dirty="0" smtClean="0"/>
-              <a:t>Correlation provides a useful method to examine relationships within data</a:t>
+              <a:t>Correlation provides a useful method to examine relationships within data.</a:t>
             </a:r>
           </a:p>
           <a:p>
@@ -4850,14 +4855,12 @@
               <a:rPr lang="en-US" dirty="0"/>
               <a:t>tool for helping to understand complex relationships within cities. </a:t>
             </a:r>
-            <a:endParaRPr lang="en-US" dirty="0"/>
           </a:p>
           <a:p>
             <a:r>
               <a:rPr lang="en-US" dirty="0"/>
               <a:t> Urban data are spatial data and these can be statistically problematic when used in a model, but there are techniques to explicitly account for spatial patterns. </a:t>
             </a:r>
-            <a:endParaRPr lang="en-US" dirty="0"/>
           </a:p>
         </p:txBody>
       </p:sp>
@@ -5185,12 +5188,12 @@
           <a:graphicData uri="http://schemas.openxmlformats.org/presentationml/2006/ole">
             <mc:AlternateContent xmlns:mc="http://schemas.openxmlformats.org/markup-compatibility/2006">
               <mc:Choice xmlns:v="urn:schemas-microsoft-com:vml" Requires="v">
-                <p:oleObj spid="_x0000_s1064" name="Document" r:id="rId3" imgW="6858000" imgH="215900" progId="Word.Document.12">
+                <p:oleObj spid="_x0000_s1084" name="Document" r:id="rId4" imgW="6858000" imgH="215900" progId="Word.Document.12">
                   <p:embed/>
                 </p:oleObj>
               </mc:Choice>
               <mc:Fallback>
-                <p:oleObj name="Document" r:id="rId3" imgW="6858000" imgH="215900" progId="Word.Document.12">
+                <p:oleObj name="Document" r:id="rId4" imgW="6858000" imgH="215900" progId="Word.Document.12">
                   <p:embed/>
                   <p:pic>
                     <p:nvPicPr>
@@ -5199,7 +5202,7 @@
                       <p:nvPr/>
                     </p:nvPicPr>
                     <p:blipFill>
-                      <a:blip r:embed="rId4"/>
+                      <a:blip r:embed="rId5"/>
                       <a:stretch>
                         <a:fillRect/>
                       </a:stretch>
@@ -5292,7 +5295,6 @@
               <a:rPr lang="en-US" dirty="0"/>
               <a:t>A key assumption in most statistics is that the observations are independent from one another </a:t>
             </a:r>
-            <a:endParaRPr lang="en-US" dirty="0"/>
           </a:p>
           <a:p>
             <a:pPr lvl="1"/>
@@ -5326,13 +5328,16 @@
             </a:r>
             <a:r>
               <a:rPr lang="en-US" i="1" dirty="0"/>
-              <a:t>spatial autocorrelation</a:t>
-            </a:r>
-            <a:r>
-              <a:rPr lang="en-US" dirty="0"/>
-              <a:t>. </a:t>
-            </a:r>
-            <a:endParaRPr lang="en-US" dirty="0" smtClean="0"/>
+              <a:t>spatial </a:t>
+            </a:r>
+            <a:r>
+              <a:rPr lang="en-US" i="1" dirty="0" smtClean="0"/>
+              <a:t>autocorrelation</a:t>
+            </a:r>
+            <a:r>
+              <a:rPr lang="en-US" dirty="0" smtClean="0"/>
+              <a:t> </a:t>
+            </a:r>
           </a:p>
           <a:p>
             <a:pPr lvl="2"/>
@@ -5348,7 +5353,6 @@
               <a:rPr lang="en-US" dirty="0"/>
               <a:t>in an urban context </a:t>
             </a:r>
-            <a:endParaRPr lang="en-US" dirty="0"/>
           </a:p>
           <a:p>
             <a:pPr lvl="2"/>
@@ -5436,7 +5440,7 @@
           <a:p>
             <a:r>
               <a:rPr lang="en-GB" dirty="0" smtClean="0"/>
-              <a:t>Two types - </a:t>
+              <a:t>Two types – </a:t>
             </a:r>
             <a:r>
               <a:rPr lang="en-GB" i="1" dirty="0"/>
@@ -5458,7 +5462,6 @@
               <a:rPr lang="en-GB" dirty="0"/>
               <a:t>Substantive relationships are those deriving from the interdependence of actors and activities in nearby locations. </a:t>
             </a:r>
-            <a:endParaRPr lang="en-GB" dirty="0"/>
           </a:p>
           <a:p>
             <a:pPr lvl="1"/>
@@ -5466,12 +5469,15 @@
               <a:rPr lang="en-GB" dirty="0"/>
               <a:t>Nuisance spatial autocorrelation is grounded in data problems stemming from a mismatch between the actual spatial footprint of the phenomenon being studied and the available data. </a:t>
             </a:r>
-            <a:endParaRPr lang="en-GB" dirty="0"/>
           </a:p>
           <a:p>
             <a:r>
               <a:rPr lang="en-GB" dirty="0"/>
-              <a:t>Testing for spatial autocorrelation and incorporating it into a model requires a formal specification of the spatial structure. </a:t>
+              <a:t>Testing for spatial autocorrelation and incorporating it into a model requires a formal specification of the spatial </a:t>
+            </a:r>
+            <a:r>
+              <a:rPr lang="en-GB" dirty="0" smtClean="0"/>
+              <a:t>structure</a:t>
             </a:r>
             <a:endParaRPr lang="en-GB" dirty="0"/>
           </a:p>
@@ -5703,7 +5709,6 @@
               <a:rPr lang="en-US" dirty="0"/>
               <a:t>of the spatial structure relative to the study area and the research question </a:t>
             </a:r>
-            <a:endParaRPr lang="en-US" dirty="0"/>
           </a:p>
           <a:p>
             <a:endParaRPr lang="en-US" dirty="0"/>
@@ -5788,7 +5793,7 @@
           <a:lstStyle/>
           <a:p>
             <a:r>
-              <a:rPr lang="en-GB" u="sng" dirty="0" smtClean="0"/>
+              <a:rPr lang="en-GB" b="1" dirty="0" smtClean="0"/>
               <a:t>Contiguity</a:t>
             </a:r>
             <a:r>
@@ -5832,11 +5837,11 @@
           </a:p>
           <a:p>
             <a:r>
-              <a:rPr lang="en-GB" u="sng" dirty="0"/>
+              <a:rPr lang="en-GB" b="1" dirty="0"/>
               <a:t>D</a:t>
             </a:r>
             <a:r>
-              <a:rPr lang="en-GB" u="sng" dirty="0" smtClean="0"/>
+              <a:rPr lang="en-GB" b="1" dirty="0" smtClean="0"/>
               <a:t>istance</a:t>
             </a:r>
             <a:r>
@@ -5849,7 +5854,7 @@
             </a:r>
             <a:r>
               <a:rPr lang="en-GB" dirty="0" smtClean="0"/>
-              <a:t>observations</a:t>
+              <a:t>observations.</a:t>
             </a:r>
           </a:p>
           <a:p>
@@ -5858,16 +5863,20 @@
               <a:t>The </a:t>
             </a:r>
             <a:r>
-              <a:rPr lang="en-GB" u="sng" dirty="0"/>
+              <a:rPr lang="en-GB" b="1" dirty="0"/>
               <a:t>nearest </a:t>
             </a:r>
             <a:r>
-              <a:rPr lang="en-GB" u="sng" dirty="0" err="1"/>
+              <a:rPr lang="en-GB" b="1" dirty="0" err="1"/>
               <a:t>neighbors</a:t>
             </a:r>
             <a:r>
+              <a:rPr lang="en-GB" b="1" dirty="0"/>
+              <a:t> </a:t>
+            </a:r>
+            <a:r>
               <a:rPr lang="en-GB" dirty="0"/>
-              <a:t> approach defines the </a:t>
+              <a:t>approach defines the </a:t>
             </a:r>
             <a:r>
               <a:rPr lang="en-GB" i="1" dirty="0"/>
@@ -5916,7 +5925,6 @@
               <a:rPr lang="en-GB" dirty="0"/>
               <a:t> matrix is also binary. </a:t>
             </a:r>
-            <a:endParaRPr lang="en-GB" dirty="0"/>
           </a:p>
           <a:p>
             <a:endParaRPr lang="en-GB" dirty="0"/>
@@ -6045,7 +6053,7 @@
             </a:r>
             <a:r>
               <a:rPr lang="en-US" dirty="0" smtClean="0"/>
-              <a:t>analysis </a:t>
+              <a:t>analysis. </a:t>
             </a:r>
             <a:endParaRPr lang="en-US" dirty="0"/>
           </a:p>
@@ -6132,7 +6140,7 @@
             </a:r>
             <a:r>
               <a:rPr lang="en-US" dirty="0" smtClean="0"/>
-              <a:t>notation.</a:t>
+              <a:t>notation</a:t>
             </a:r>
           </a:p>
           <a:p>
@@ -6279,6 +6287,10 @@
             <a:r>
               <a:rPr lang="en-US" dirty="0"/>
               <a:t> </a:t>
+            </a:r>
+            <a:r>
+              <a:rPr lang="en-US" dirty="0" smtClean="0"/>
+              <a:t>.</a:t>
             </a:r>
             <a:endParaRPr lang="en-US" dirty="0"/>
           </a:p>
